--- a/Documents/ExperimentalProcedure.pptx
+++ b/Documents/ExperimentalProcedure.pptx
@@ -10546,10 +10546,10 @@
           </p:nvGrpSpPr>
           <p:grpSpPr>
             <a:xfrm>
-              <a:off x="1523310" y="-1035431"/>
-              <a:ext cx="2306946" cy="2983782"/>
-              <a:chOff x="1992456" y="-415347"/>
-              <a:chExt cx="1627145" cy="2286000"/>
+              <a:off x="1732343" y="-1035431"/>
+              <a:ext cx="2306258" cy="2983782"/>
+              <a:chOff x="2139892" y="-415347"/>
+              <a:chExt cx="1626660" cy="2286000"/>
             </a:xfrm>
           </p:grpSpPr>
           <p:grpSp>
@@ -10560,10 +10560,10 @@
             </p:nvGrpSpPr>
             <p:grpSpPr>
               <a:xfrm>
-                <a:off x="1992456" y="-415347"/>
-                <a:ext cx="1627145" cy="2286000"/>
-                <a:chOff x="1294810" y="-1345774"/>
-                <a:chExt cx="1398477" cy="3352800"/>
+                <a:off x="2139892" y="-415347"/>
+                <a:ext cx="1626660" cy="2286000"/>
+                <a:chOff x="1421526" y="-1345774"/>
+                <a:chExt cx="1398060" cy="3352800"/>
               </a:xfrm>
             </p:grpSpPr>
             <p:sp>
@@ -10574,7 +10574,7 @@
               </p:nvSpPr>
               <p:spPr>
                 <a:xfrm rot="10800000">
-                  <a:off x="1294810" y="-1345774"/>
+                  <a:off x="1421526" y="-1345774"/>
                   <a:ext cx="1398060" cy="3352800"/>
                 </a:xfrm>
                 <a:prstGeom prst="flowChartMagneticDisk">
@@ -10632,7 +10632,7 @@
               </p:nvSpPr>
               <p:spPr>
                 <a:xfrm>
-                  <a:off x="1295228" y="1016450"/>
+                  <a:off x="1421527" y="1016450"/>
                   <a:ext cx="1398059" cy="940227"/>
                 </a:xfrm>
                 <a:prstGeom prst="ellipse">
@@ -19464,7 +19464,7 @@
         <p:spPr>
           <a:xfrm>
             <a:off x="2371393" y="1118095"/>
-            <a:ext cx="868697" cy="646331"/>
+            <a:ext cx="868697" cy="769441"/>
           </a:xfrm>
           <a:prstGeom prst="rect">
             <a:avLst/>
@@ -19478,14 +19478,14 @@
           <a:lstStyle/>
           <a:p>
             <a:r>
-              <a:rPr lang="en-US" sz="3600" b="1" dirty="0" smtClean="0"/>
+              <a:rPr lang="en-US" sz="4400" b="1" dirty="0" smtClean="0"/>
               <a:t>A</a:t>
             </a:r>
             <a:r>
-              <a:rPr lang="en-US" sz="2000" b="1" dirty="0" smtClean="0"/>
+              <a:rPr lang="en-US" sz="2800" b="1" dirty="0" smtClean="0"/>
               <a:t>0</a:t>
             </a:r>
-            <a:endParaRPr lang="en-US" sz="3600" b="1" dirty="0"/>
+            <a:endParaRPr lang="en-US" sz="4400" b="1" dirty="0"/>
           </a:p>
         </p:txBody>
       </p:sp>
@@ -23886,6 +23886,180 @@
           </a:p>
         </p:txBody>
       </p:sp>
+      <p:sp>
+        <p:nvSpPr>
+          <p:cNvPr id="1036" name="Right Arrow 1035"/>
+          <p:cNvSpPr/>
+          <p:nvPr/>
+        </p:nvSpPr>
+        <p:spPr>
+          <a:xfrm>
+            <a:off x="6359881" y="2857500"/>
+            <a:ext cx="1545630" cy="228600"/>
+          </a:xfrm>
+          <a:prstGeom prst="rightArrow">
+            <a:avLst/>
+          </a:prstGeom>
+        </p:spPr>
+        <p:style>
+          <a:lnRef idx="2">
+            <a:schemeClr val="accent1">
+              <a:shade val="50000"/>
+            </a:schemeClr>
+          </a:lnRef>
+          <a:fillRef idx="1">
+            <a:schemeClr val="accent1"/>
+          </a:fillRef>
+          <a:effectRef idx="0">
+            <a:schemeClr val="accent1"/>
+          </a:effectRef>
+          <a:fontRef idx="minor">
+            <a:schemeClr val="lt1"/>
+          </a:fontRef>
+        </p:style>
+        <p:txBody>
+          <a:bodyPr rtlCol="0" anchor="ctr"/>
+          <a:lstStyle/>
+          <a:p>
+            <a:pPr algn="ctr"/>
+            <a:endParaRPr lang="en-US"/>
+          </a:p>
+        </p:txBody>
+      </p:sp>
+      <p:sp>
+        <p:nvSpPr>
+          <p:cNvPr id="1037" name="TextBox 1036"/>
+          <p:cNvSpPr txBox="1"/>
+          <p:nvPr/>
+        </p:nvSpPr>
+        <p:spPr>
+          <a:xfrm>
+            <a:off x="7905510" y="2895600"/>
+            <a:ext cx="1190865" cy="369332"/>
+          </a:xfrm>
+          <a:prstGeom prst="rect">
+            <a:avLst/>
+          </a:prstGeom>
+          <a:noFill/>
+        </p:spPr>
+        <p:txBody>
+          <a:bodyPr wrap="square" rtlCol="0">
+            <a:spAutoFit/>
+          </a:bodyPr>
+          <a:lstStyle/>
+          <a:p>
+            <a:r>
+              <a:rPr lang="en-US" dirty="0" smtClean="0"/>
+              <a:t>expansion</a:t>
+            </a:r>
+            <a:endParaRPr lang="en-US" dirty="0"/>
+          </a:p>
+        </p:txBody>
+      </p:sp>
+      <p:sp>
+        <p:nvSpPr>
+          <p:cNvPr id="203" name="5-Point Star 202"/>
+          <p:cNvSpPr/>
+          <p:nvPr/>
+        </p:nvSpPr>
+        <p:spPr>
+          <a:xfrm>
+            <a:off x="3718699" y="1502815"/>
+            <a:ext cx="181708" cy="195441"/>
+          </a:xfrm>
+          <a:prstGeom prst="star5">
+            <a:avLst/>
+          </a:prstGeom>
+          <a:solidFill>
+            <a:schemeClr val="accent2">
+              <a:lumMod val="75000"/>
+            </a:schemeClr>
+          </a:solidFill>
+          <a:ln w="9525">
+            <a:solidFill>
+              <a:schemeClr val="tx2">
+                <a:lumMod val="75000"/>
+              </a:schemeClr>
+            </a:solidFill>
+          </a:ln>
+        </p:spPr>
+        <p:style>
+          <a:lnRef idx="2">
+            <a:schemeClr val="accent1">
+              <a:shade val="50000"/>
+            </a:schemeClr>
+          </a:lnRef>
+          <a:fillRef idx="1">
+            <a:schemeClr val="accent1"/>
+          </a:fillRef>
+          <a:effectRef idx="0">
+            <a:schemeClr val="accent1"/>
+          </a:effectRef>
+          <a:fontRef idx="minor">
+            <a:schemeClr val="lt1"/>
+          </a:fontRef>
+        </p:style>
+        <p:txBody>
+          <a:bodyPr rtlCol="0" anchor="ctr"/>
+          <a:lstStyle/>
+          <a:p>
+            <a:pPr algn="ctr"/>
+            <a:endParaRPr lang="en-US"/>
+          </a:p>
+        </p:txBody>
+      </p:sp>
+      <p:sp>
+        <p:nvSpPr>
+          <p:cNvPr id="204" name="5-Point Star 203"/>
+          <p:cNvSpPr/>
+          <p:nvPr/>
+        </p:nvSpPr>
+        <p:spPr>
+          <a:xfrm>
+            <a:off x="3480557" y="1652954"/>
+            <a:ext cx="181708" cy="195441"/>
+          </a:xfrm>
+          <a:prstGeom prst="star5">
+            <a:avLst/>
+          </a:prstGeom>
+          <a:solidFill>
+            <a:schemeClr val="accent2">
+              <a:lumMod val="75000"/>
+            </a:schemeClr>
+          </a:solidFill>
+          <a:ln w="9525">
+            <a:solidFill>
+              <a:schemeClr val="tx2">
+                <a:lumMod val="75000"/>
+              </a:schemeClr>
+            </a:solidFill>
+          </a:ln>
+        </p:spPr>
+        <p:style>
+          <a:lnRef idx="2">
+            <a:schemeClr val="accent1">
+              <a:shade val="50000"/>
+            </a:schemeClr>
+          </a:lnRef>
+          <a:fillRef idx="1">
+            <a:schemeClr val="accent1"/>
+          </a:fillRef>
+          <a:effectRef idx="0">
+            <a:schemeClr val="accent1"/>
+          </a:effectRef>
+          <a:fontRef idx="minor">
+            <a:schemeClr val="lt1"/>
+          </a:fontRef>
+        </p:style>
+        <p:txBody>
+          <a:bodyPr rtlCol="0" anchor="ctr"/>
+          <a:lstStyle/>
+          <a:p>
+            <a:pPr algn="ctr"/>
+            <a:endParaRPr lang="en-US"/>
+          </a:p>
+        </p:txBody>
+      </p:sp>
     </p:spTree>
     <p:extLst>
       <p:ext uri="{BB962C8B-B14F-4D97-AF65-F5344CB8AC3E}">
